--- a/img/menu_pricing_table.pptx
+++ b/img/menu_pricing_table.pptx
@@ -2,12 +2,12 @@
 <file path=ppt/presentation.xml><?xml version="1.0" encoding="utf-8"?>
 <p:presentation xmlns:a="http://schemas.openxmlformats.org/drawingml/2006/main" xmlns:r="http://schemas.openxmlformats.org/officeDocument/2006/relationships" xmlns:p="http://schemas.openxmlformats.org/presentationml/2006/main" saveSubsetFonts="1" autoCompressPictures="0">
   <p:sldMasterIdLst>
-    <p:sldMasterId id="2147483672" r:id="rId1"/>
+    <p:sldMasterId id="2147483684" r:id="rId1"/>
   </p:sldMasterIdLst>
   <p:sldIdLst>
     <p:sldId id="256" r:id="rId2"/>
   </p:sldIdLst>
-  <p:sldSz cx="9144000" cy="6858000" type="screen4x3"/>
+  <p:sldSz cx="12192000" cy="6858000"/>
   <p:notesSz cx="6858000" cy="9144000"/>
   <p:defaultTextStyle>
     <a:defPPr>
@@ -104,6 +104,11 @@
       </a:defRPr>
     </a:lvl9pPr>
   </p:defaultTextStyle>
+  <p:extLst>
+    <p:ext uri="{EFAFB233-063F-42B5-8137-9DF3F51BA10A}">
+      <p15:sldGuideLst xmlns:p15="http://schemas.microsoft.com/office/powerpoint/2012/main"/>
+    </p:ext>
+  </p:extLst>
 </p:presentation>
 </file>
 
@@ -136,8 +141,8 @@
         </p:nvSpPr>
         <p:spPr>
           <a:xfrm>
-            <a:off x="685800" y="1122363"/>
-            <a:ext cx="7772400" cy="2387600"/>
+            <a:off x="1524000" y="1122363"/>
+            <a:ext cx="9144000" cy="2387600"/>
           </a:xfrm>
         </p:spPr>
         <p:txBody>
@@ -149,7 +154,7 @@
           </a:lstStyle>
           <a:p>
             <a:r>
-              <a:rPr lang="en-US"/>
+              <a:rPr lang="en-GB"/>
               <a:t>Click to edit Master title style</a:t>
             </a:r>
             <a:endParaRPr lang="en-US" dirty="0"/>
@@ -168,8 +173,8 @@
         </p:nvSpPr>
         <p:spPr>
           <a:xfrm>
-            <a:off x="1143000" y="3602038"/>
-            <a:ext cx="6858000" cy="1655762"/>
+            <a:off x="1524000" y="3602038"/>
+            <a:ext cx="9144000" cy="1655762"/>
           </a:xfrm>
         </p:spPr>
         <p:txBody>
@@ -214,7 +219,7 @@
           </a:lstStyle>
           <a:p>
             <a:r>
-              <a:rPr lang="en-US"/>
+              <a:rPr lang="en-GB"/>
               <a:t>Click to edit Master subtitle style</a:t>
             </a:r>
             <a:endParaRPr lang="en-US" dirty="0"/>
@@ -238,7 +243,7 @@
           <a:p>
             <a:fld id="{DEDFC51E-EA5C-6547-A7F8-2EBA820BEB72}" type="datetimeFigureOut">
               <a:rPr lang="en-US" smtClean="0"/>
-              <a:t>9/23/19</a:t>
+              <a:t>10/23/19</a:t>
             </a:fld>
             <a:endParaRPr lang="en-US"/>
           </a:p>
@@ -289,7 +294,7 @@
     </p:spTree>
     <p:extLst>
       <p:ext uri="{BB962C8B-B14F-4D97-AF65-F5344CB8AC3E}">
-        <p14:creationId xmlns:p14="http://schemas.microsoft.com/office/powerpoint/2010/main" val="1734031922"/>
+        <p14:creationId xmlns:p14="http://schemas.microsoft.com/office/powerpoint/2010/main" val="618305018"/>
       </p:ext>
     </p:extLst>
   </p:cSld>
@@ -332,7 +337,7 @@
           <a:lstStyle/>
           <a:p>
             <a:r>
-              <a:rPr lang="en-US"/>
+              <a:rPr lang="en-GB"/>
               <a:t>Click to edit Master title style</a:t>
             </a:r>
             <a:endParaRPr lang="en-US" dirty="0"/>
@@ -356,35 +361,35 @@
           <a:p>
             <a:pPr lvl="0"/>
             <a:r>
-              <a:rPr lang="en-US"/>
+              <a:rPr lang="en-GB"/>
               <a:t>Click to edit Master text styles</a:t>
             </a:r>
           </a:p>
           <a:p>
             <a:pPr lvl="1"/>
             <a:r>
-              <a:rPr lang="en-US"/>
+              <a:rPr lang="en-GB"/>
               <a:t>Second level</a:t>
             </a:r>
           </a:p>
           <a:p>
             <a:pPr lvl="2"/>
             <a:r>
-              <a:rPr lang="en-US"/>
+              <a:rPr lang="en-GB"/>
               <a:t>Third level</a:t>
             </a:r>
           </a:p>
           <a:p>
             <a:pPr lvl="3"/>
             <a:r>
-              <a:rPr lang="en-US"/>
+              <a:rPr lang="en-GB"/>
               <a:t>Fourth level</a:t>
             </a:r>
           </a:p>
           <a:p>
             <a:pPr lvl="4"/>
             <a:r>
-              <a:rPr lang="en-US"/>
+              <a:rPr lang="en-GB"/>
               <a:t>Fifth level</a:t>
             </a:r>
             <a:endParaRPr lang="en-US" dirty="0"/>
@@ -408,7 +413,7 @@
           <a:p>
             <a:fld id="{DEDFC51E-EA5C-6547-A7F8-2EBA820BEB72}" type="datetimeFigureOut">
               <a:rPr lang="en-US" smtClean="0"/>
-              <a:t>9/23/19</a:t>
+              <a:t>10/23/19</a:t>
             </a:fld>
             <a:endParaRPr lang="en-US"/>
           </a:p>
@@ -459,7 +464,7 @@
     </p:spTree>
     <p:extLst>
       <p:ext uri="{BB962C8B-B14F-4D97-AF65-F5344CB8AC3E}">
-        <p14:creationId xmlns:p14="http://schemas.microsoft.com/office/powerpoint/2010/main" val="2882343495"/>
+        <p14:creationId xmlns:p14="http://schemas.microsoft.com/office/powerpoint/2010/main" val="2947760477"/>
       </p:ext>
     </p:extLst>
   </p:cSld>
@@ -498,8 +503,8 @@
         </p:nvSpPr>
         <p:spPr>
           <a:xfrm>
-            <a:off x="6543675" y="365125"/>
-            <a:ext cx="1971675" cy="5811838"/>
+            <a:off x="8724900" y="365125"/>
+            <a:ext cx="2628900" cy="5811838"/>
           </a:xfrm>
         </p:spPr>
         <p:txBody>
@@ -507,7 +512,7 @@
           <a:lstStyle/>
           <a:p>
             <a:r>
-              <a:rPr lang="en-US"/>
+              <a:rPr lang="en-GB"/>
               <a:t>Click to edit Master title style</a:t>
             </a:r>
             <a:endParaRPr lang="en-US" dirty="0"/>
@@ -526,8 +531,8 @@
         </p:nvSpPr>
         <p:spPr>
           <a:xfrm>
-            <a:off x="628650" y="365125"/>
-            <a:ext cx="5800725" cy="5811838"/>
+            <a:off x="838200" y="365125"/>
+            <a:ext cx="7734300" cy="5811838"/>
           </a:xfrm>
         </p:spPr>
         <p:txBody>
@@ -536,35 +541,35 @@
           <a:p>
             <a:pPr lvl="0"/>
             <a:r>
-              <a:rPr lang="en-US"/>
+              <a:rPr lang="en-GB"/>
               <a:t>Click to edit Master text styles</a:t>
             </a:r>
           </a:p>
           <a:p>
             <a:pPr lvl="1"/>
             <a:r>
-              <a:rPr lang="en-US"/>
+              <a:rPr lang="en-GB"/>
               <a:t>Second level</a:t>
             </a:r>
           </a:p>
           <a:p>
             <a:pPr lvl="2"/>
             <a:r>
-              <a:rPr lang="en-US"/>
+              <a:rPr lang="en-GB"/>
               <a:t>Third level</a:t>
             </a:r>
           </a:p>
           <a:p>
             <a:pPr lvl="3"/>
             <a:r>
-              <a:rPr lang="en-US"/>
+              <a:rPr lang="en-GB"/>
               <a:t>Fourth level</a:t>
             </a:r>
           </a:p>
           <a:p>
             <a:pPr lvl="4"/>
             <a:r>
-              <a:rPr lang="en-US"/>
+              <a:rPr lang="en-GB"/>
               <a:t>Fifth level</a:t>
             </a:r>
             <a:endParaRPr lang="en-US" dirty="0"/>
@@ -588,7 +593,7 @@
           <a:p>
             <a:fld id="{DEDFC51E-EA5C-6547-A7F8-2EBA820BEB72}" type="datetimeFigureOut">
               <a:rPr lang="en-US" smtClean="0"/>
-              <a:t>9/23/19</a:t>
+              <a:t>10/23/19</a:t>
             </a:fld>
             <a:endParaRPr lang="en-US"/>
           </a:p>
@@ -639,7 +644,7 @@
     </p:spTree>
     <p:extLst>
       <p:ext uri="{BB962C8B-B14F-4D97-AF65-F5344CB8AC3E}">
-        <p14:creationId xmlns:p14="http://schemas.microsoft.com/office/powerpoint/2010/main" val="10829821"/>
+        <p14:creationId xmlns:p14="http://schemas.microsoft.com/office/powerpoint/2010/main" val="778533286"/>
       </p:ext>
     </p:extLst>
   </p:cSld>
@@ -682,7 +687,7 @@
           <a:lstStyle/>
           <a:p>
             <a:r>
-              <a:rPr lang="en-US"/>
+              <a:rPr lang="en-GB"/>
               <a:t>Click to edit Master title style</a:t>
             </a:r>
             <a:endParaRPr lang="en-US" dirty="0"/>
@@ -706,35 +711,35 @@
           <a:p>
             <a:pPr lvl="0"/>
             <a:r>
-              <a:rPr lang="en-US"/>
+              <a:rPr lang="en-GB"/>
               <a:t>Click to edit Master text styles</a:t>
             </a:r>
           </a:p>
           <a:p>
             <a:pPr lvl="1"/>
             <a:r>
-              <a:rPr lang="en-US"/>
+              <a:rPr lang="en-GB"/>
               <a:t>Second level</a:t>
             </a:r>
           </a:p>
           <a:p>
             <a:pPr lvl="2"/>
             <a:r>
-              <a:rPr lang="en-US"/>
+              <a:rPr lang="en-GB"/>
               <a:t>Third level</a:t>
             </a:r>
           </a:p>
           <a:p>
             <a:pPr lvl="3"/>
             <a:r>
-              <a:rPr lang="en-US"/>
+              <a:rPr lang="en-GB"/>
               <a:t>Fourth level</a:t>
             </a:r>
           </a:p>
           <a:p>
             <a:pPr lvl="4"/>
             <a:r>
-              <a:rPr lang="en-US"/>
+              <a:rPr lang="en-GB"/>
               <a:t>Fifth level</a:t>
             </a:r>
             <a:endParaRPr lang="en-US" dirty="0"/>
@@ -758,7 +763,7 @@
           <a:p>
             <a:fld id="{DEDFC51E-EA5C-6547-A7F8-2EBA820BEB72}" type="datetimeFigureOut">
               <a:rPr lang="en-US" smtClean="0"/>
-              <a:t>9/23/19</a:t>
+              <a:t>10/23/19</a:t>
             </a:fld>
             <a:endParaRPr lang="en-US"/>
           </a:p>
@@ -809,7 +814,7 @@
     </p:spTree>
     <p:extLst>
       <p:ext uri="{BB962C8B-B14F-4D97-AF65-F5344CB8AC3E}">
-        <p14:creationId xmlns:p14="http://schemas.microsoft.com/office/powerpoint/2010/main" val="679659263"/>
+        <p14:creationId xmlns:p14="http://schemas.microsoft.com/office/powerpoint/2010/main" val="296057629"/>
       </p:ext>
     </p:extLst>
   </p:cSld>
@@ -848,8 +853,8 @@
         </p:nvSpPr>
         <p:spPr>
           <a:xfrm>
-            <a:off x="623888" y="1709739"/>
-            <a:ext cx="7886700" cy="2852737"/>
+            <a:off x="831850" y="1709738"/>
+            <a:ext cx="10515600" cy="2852737"/>
           </a:xfrm>
         </p:spPr>
         <p:txBody>
@@ -861,7 +866,7 @@
           </a:lstStyle>
           <a:p>
             <a:r>
-              <a:rPr lang="en-US"/>
+              <a:rPr lang="en-GB"/>
               <a:t>Click to edit Master title style</a:t>
             </a:r>
             <a:endParaRPr lang="en-US" dirty="0"/>
@@ -880,8 +885,8 @@
         </p:nvSpPr>
         <p:spPr>
           <a:xfrm>
-            <a:off x="623888" y="4589464"/>
-            <a:ext cx="7886700" cy="1500187"/>
+            <a:off x="831850" y="4589463"/>
+            <a:ext cx="10515600" cy="1500187"/>
           </a:xfrm>
         </p:spPr>
         <p:txBody>
@@ -891,7 +896,9 @@
               <a:buNone/>
               <a:defRPr sz="2400">
                 <a:solidFill>
-                  <a:schemeClr val="tx1"/>
+                  <a:schemeClr val="tx1">
+                    <a:tint val="75000"/>
+                  </a:schemeClr>
                 </a:solidFill>
               </a:defRPr>
             </a:lvl1pPr>
@@ -979,7 +986,7 @@
           <a:p>
             <a:pPr lvl="0"/>
             <a:r>
-              <a:rPr lang="en-US"/>
+              <a:rPr lang="en-GB"/>
               <a:t>Click to edit Master text styles</a:t>
             </a:r>
           </a:p>
@@ -1002,7 +1009,7 @@
           <a:p>
             <a:fld id="{DEDFC51E-EA5C-6547-A7F8-2EBA820BEB72}" type="datetimeFigureOut">
               <a:rPr lang="en-US" smtClean="0"/>
-              <a:t>9/23/19</a:t>
+              <a:t>10/23/19</a:t>
             </a:fld>
             <a:endParaRPr lang="en-US"/>
           </a:p>
@@ -1053,7 +1060,7 @@
     </p:spTree>
     <p:extLst>
       <p:ext uri="{BB962C8B-B14F-4D97-AF65-F5344CB8AC3E}">
-        <p14:creationId xmlns:p14="http://schemas.microsoft.com/office/powerpoint/2010/main" val="3498859490"/>
+        <p14:creationId xmlns:p14="http://schemas.microsoft.com/office/powerpoint/2010/main" val="1603886739"/>
       </p:ext>
     </p:extLst>
   </p:cSld>
@@ -1096,7 +1103,7 @@
           <a:lstStyle/>
           <a:p>
             <a:r>
-              <a:rPr lang="en-US"/>
+              <a:rPr lang="en-GB"/>
               <a:t>Click to edit Master title style</a:t>
             </a:r>
             <a:endParaRPr lang="en-US" dirty="0"/>
@@ -1115,8 +1122,8 @@
         </p:nvSpPr>
         <p:spPr>
           <a:xfrm>
-            <a:off x="628650" y="1825625"/>
-            <a:ext cx="3886200" cy="4351338"/>
+            <a:off x="838200" y="1825625"/>
+            <a:ext cx="5181600" cy="4351338"/>
           </a:xfrm>
         </p:spPr>
         <p:txBody>
@@ -1125,35 +1132,35 @@
           <a:p>
             <a:pPr lvl="0"/>
             <a:r>
-              <a:rPr lang="en-US"/>
+              <a:rPr lang="en-GB"/>
               <a:t>Click to edit Master text styles</a:t>
             </a:r>
           </a:p>
           <a:p>
             <a:pPr lvl="1"/>
             <a:r>
-              <a:rPr lang="en-US"/>
+              <a:rPr lang="en-GB"/>
               <a:t>Second level</a:t>
             </a:r>
           </a:p>
           <a:p>
             <a:pPr lvl="2"/>
             <a:r>
-              <a:rPr lang="en-US"/>
+              <a:rPr lang="en-GB"/>
               <a:t>Third level</a:t>
             </a:r>
           </a:p>
           <a:p>
             <a:pPr lvl="3"/>
             <a:r>
-              <a:rPr lang="en-US"/>
+              <a:rPr lang="en-GB"/>
               <a:t>Fourth level</a:t>
             </a:r>
           </a:p>
           <a:p>
             <a:pPr lvl="4"/>
             <a:r>
-              <a:rPr lang="en-US"/>
+              <a:rPr lang="en-GB"/>
               <a:t>Fifth level</a:t>
             </a:r>
             <a:endParaRPr lang="en-US" dirty="0"/>
@@ -1172,8 +1179,8 @@
         </p:nvSpPr>
         <p:spPr>
           <a:xfrm>
-            <a:off x="4629150" y="1825625"/>
-            <a:ext cx="3886200" cy="4351338"/>
+            <a:off x="6172200" y="1825625"/>
+            <a:ext cx="5181600" cy="4351338"/>
           </a:xfrm>
         </p:spPr>
         <p:txBody>
@@ -1182,35 +1189,35 @@
           <a:p>
             <a:pPr lvl="0"/>
             <a:r>
-              <a:rPr lang="en-US"/>
+              <a:rPr lang="en-GB"/>
               <a:t>Click to edit Master text styles</a:t>
             </a:r>
           </a:p>
           <a:p>
             <a:pPr lvl="1"/>
             <a:r>
-              <a:rPr lang="en-US"/>
+              <a:rPr lang="en-GB"/>
               <a:t>Second level</a:t>
             </a:r>
           </a:p>
           <a:p>
             <a:pPr lvl="2"/>
             <a:r>
-              <a:rPr lang="en-US"/>
+              <a:rPr lang="en-GB"/>
               <a:t>Third level</a:t>
             </a:r>
           </a:p>
           <a:p>
             <a:pPr lvl="3"/>
             <a:r>
-              <a:rPr lang="en-US"/>
+              <a:rPr lang="en-GB"/>
               <a:t>Fourth level</a:t>
             </a:r>
           </a:p>
           <a:p>
             <a:pPr lvl="4"/>
             <a:r>
-              <a:rPr lang="en-US"/>
+              <a:rPr lang="en-GB"/>
               <a:t>Fifth level</a:t>
             </a:r>
             <a:endParaRPr lang="en-US" dirty="0"/>
@@ -1234,7 +1241,7 @@
           <a:p>
             <a:fld id="{DEDFC51E-EA5C-6547-A7F8-2EBA820BEB72}" type="datetimeFigureOut">
               <a:rPr lang="en-US" smtClean="0"/>
-              <a:t>9/23/19</a:t>
+              <a:t>10/23/19</a:t>
             </a:fld>
             <a:endParaRPr lang="en-US"/>
           </a:p>
@@ -1285,7 +1292,7 @@
     </p:spTree>
     <p:extLst>
       <p:ext uri="{BB962C8B-B14F-4D97-AF65-F5344CB8AC3E}">
-        <p14:creationId xmlns:p14="http://schemas.microsoft.com/office/powerpoint/2010/main" val="654438156"/>
+        <p14:creationId xmlns:p14="http://schemas.microsoft.com/office/powerpoint/2010/main" val="192528214"/>
       </p:ext>
     </p:extLst>
   </p:cSld>
@@ -1324,8 +1331,8 @@
         </p:nvSpPr>
         <p:spPr>
           <a:xfrm>
-            <a:off x="629841" y="365126"/>
-            <a:ext cx="7886700" cy="1325563"/>
+            <a:off x="839788" y="365125"/>
+            <a:ext cx="10515600" cy="1325563"/>
           </a:xfrm>
         </p:spPr>
         <p:txBody>
@@ -1333,7 +1340,7 @@
           <a:lstStyle/>
           <a:p>
             <a:r>
-              <a:rPr lang="en-US"/>
+              <a:rPr lang="en-GB"/>
               <a:t>Click to edit Master title style</a:t>
             </a:r>
             <a:endParaRPr lang="en-US" dirty="0"/>
@@ -1352,8 +1359,8 @@
         </p:nvSpPr>
         <p:spPr>
           <a:xfrm>
-            <a:off x="629842" y="1681163"/>
-            <a:ext cx="3868340" cy="823912"/>
+            <a:off x="839788" y="1681163"/>
+            <a:ext cx="5157787" cy="823912"/>
           </a:xfrm>
         </p:spPr>
         <p:txBody>
@@ -1399,7 +1406,7 @@
           <a:p>
             <a:pPr lvl="0"/>
             <a:r>
-              <a:rPr lang="en-US"/>
+              <a:rPr lang="en-GB"/>
               <a:t>Click to edit Master text styles</a:t>
             </a:r>
           </a:p>
@@ -1417,8 +1424,8 @@
         </p:nvSpPr>
         <p:spPr>
           <a:xfrm>
-            <a:off x="629842" y="2505075"/>
-            <a:ext cx="3868340" cy="3684588"/>
+            <a:off x="839788" y="2505075"/>
+            <a:ext cx="5157787" cy="3684588"/>
           </a:xfrm>
         </p:spPr>
         <p:txBody>
@@ -1427,35 +1434,35 @@
           <a:p>
             <a:pPr lvl="0"/>
             <a:r>
-              <a:rPr lang="en-US"/>
+              <a:rPr lang="en-GB"/>
               <a:t>Click to edit Master text styles</a:t>
             </a:r>
           </a:p>
           <a:p>
             <a:pPr lvl="1"/>
             <a:r>
-              <a:rPr lang="en-US"/>
+              <a:rPr lang="en-GB"/>
               <a:t>Second level</a:t>
             </a:r>
           </a:p>
           <a:p>
             <a:pPr lvl="2"/>
             <a:r>
-              <a:rPr lang="en-US"/>
+              <a:rPr lang="en-GB"/>
               <a:t>Third level</a:t>
             </a:r>
           </a:p>
           <a:p>
             <a:pPr lvl="3"/>
             <a:r>
-              <a:rPr lang="en-US"/>
+              <a:rPr lang="en-GB"/>
               <a:t>Fourth level</a:t>
             </a:r>
           </a:p>
           <a:p>
             <a:pPr lvl="4"/>
             <a:r>
-              <a:rPr lang="en-US"/>
+              <a:rPr lang="en-GB"/>
               <a:t>Fifth level</a:t>
             </a:r>
             <a:endParaRPr lang="en-US" dirty="0"/>
@@ -1474,8 +1481,8 @@
         </p:nvSpPr>
         <p:spPr>
           <a:xfrm>
-            <a:off x="4629150" y="1681163"/>
-            <a:ext cx="3887391" cy="823912"/>
+            <a:off x="6172200" y="1681163"/>
+            <a:ext cx="5183188" cy="823912"/>
           </a:xfrm>
         </p:spPr>
         <p:txBody>
@@ -1521,7 +1528,7 @@
           <a:p>
             <a:pPr lvl="0"/>
             <a:r>
-              <a:rPr lang="en-US"/>
+              <a:rPr lang="en-GB"/>
               <a:t>Click to edit Master text styles</a:t>
             </a:r>
           </a:p>
@@ -1539,8 +1546,8 @@
         </p:nvSpPr>
         <p:spPr>
           <a:xfrm>
-            <a:off x="4629150" y="2505075"/>
-            <a:ext cx="3887391" cy="3684588"/>
+            <a:off x="6172200" y="2505075"/>
+            <a:ext cx="5183188" cy="3684588"/>
           </a:xfrm>
         </p:spPr>
         <p:txBody>
@@ -1549,35 +1556,35 @@
           <a:p>
             <a:pPr lvl="0"/>
             <a:r>
-              <a:rPr lang="en-US"/>
+              <a:rPr lang="en-GB"/>
               <a:t>Click to edit Master text styles</a:t>
             </a:r>
           </a:p>
           <a:p>
             <a:pPr lvl="1"/>
             <a:r>
-              <a:rPr lang="en-US"/>
+              <a:rPr lang="en-GB"/>
               <a:t>Second level</a:t>
             </a:r>
           </a:p>
           <a:p>
             <a:pPr lvl="2"/>
             <a:r>
-              <a:rPr lang="en-US"/>
+              <a:rPr lang="en-GB"/>
               <a:t>Third level</a:t>
             </a:r>
           </a:p>
           <a:p>
             <a:pPr lvl="3"/>
             <a:r>
-              <a:rPr lang="en-US"/>
+              <a:rPr lang="en-GB"/>
               <a:t>Fourth level</a:t>
             </a:r>
           </a:p>
           <a:p>
             <a:pPr lvl="4"/>
             <a:r>
-              <a:rPr lang="en-US"/>
+              <a:rPr lang="en-GB"/>
               <a:t>Fifth level</a:t>
             </a:r>
             <a:endParaRPr lang="en-US" dirty="0"/>
@@ -1601,7 +1608,7 @@
           <a:p>
             <a:fld id="{DEDFC51E-EA5C-6547-A7F8-2EBA820BEB72}" type="datetimeFigureOut">
               <a:rPr lang="en-US" smtClean="0"/>
-              <a:t>9/23/19</a:t>
+              <a:t>10/23/19</a:t>
             </a:fld>
             <a:endParaRPr lang="en-US"/>
           </a:p>
@@ -1652,7 +1659,7 @@
     </p:spTree>
     <p:extLst>
       <p:ext uri="{BB962C8B-B14F-4D97-AF65-F5344CB8AC3E}">
-        <p14:creationId xmlns:p14="http://schemas.microsoft.com/office/powerpoint/2010/main" val="793552720"/>
+        <p14:creationId xmlns:p14="http://schemas.microsoft.com/office/powerpoint/2010/main" val="2041560026"/>
       </p:ext>
     </p:extLst>
   </p:cSld>
@@ -1695,7 +1702,7 @@
           <a:lstStyle/>
           <a:p>
             <a:r>
-              <a:rPr lang="en-US"/>
+              <a:rPr lang="en-GB"/>
               <a:t>Click to edit Master title style</a:t>
             </a:r>
             <a:endParaRPr lang="en-US" dirty="0"/>
@@ -1719,7 +1726,7 @@
           <a:p>
             <a:fld id="{DEDFC51E-EA5C-6547-A7F8-2EBA820BEB72}" type="datetimeFigureOut">
               <a:rPr lang="en-US" smtClean="0"/>
-              <a:t>9/23/19</a:t>
+              <a:t>10/23/19</a:t>
             </a:fld>
             <a:endParaRPr lang="en-US"/>
           </a:p>
@@ -1770,7 +1777,7 @@
     </p:spTree>
     <p:extLst>
       <p:ext uri="{BB962C8B-B14F-4D97-AF65-F5344CB8AC3E}">
-        <p14:creationId xmlns:p14="http://schemas.microsoft.com/office/powerpoint/2010/main" val="342524717"/>
+        <p14:creationId xmlns:p14="http://schemas.microsoft.com/office/powerpoint/2010/main" val="3852966408"/>
       </p:ext>
     </p:extLst>
   </p:cSld>
@@ -1814,7 +1821,7 @@
           <a:p>
             <a:fld id="{DEDFC51E-EA5C-6547-A7F8-2EBA820BEB72}" type="datetimeFigureOut">
               <a:rPr lang="en-US" smtClean="0"/>
-              <a:t>9/23/19</a:t>
+              <a:t>10/23/19</a:t>
             </a:fld>
             <a:endParaRPr lang="en-US"/>
           </a:p>
@@ -1865,7 +1872,7 @@
     </p:spTree>
     <p:extLst>
       <p:ext uri="{BB962C8B-B14F-4D97-AF65-F5344CB8AC3E}">
-        <p14:creationId xmlns:p14="http://schemas.microsoft.com/office/powerpoint/2010/main" val="1082923301"/>
+        <p14:creationId xmlns:p14="http://schemas.microsoft.com/office/powerpoint/2010/main" val="2133836511"/>
       </p:ext>
     </p:extLst>
   </p:cSld>
@@ -1904,8 +1911,8 @@
         </p:nvSpPr>
         <p:spPr>
           <a:xfrm>
-            <a:off x="629841" y="457200"/>
-            <a:ext cx="2949178" cy="1600200"/>
+            <a:off x="839788" y="457200"/>
+            <a:ext cx="3932237" cy="1600200"/>
           </a:xfrm>
         </p:spPr>
         <p:txBody>
@@ -1917,7 +1924,7 @@
           </a:lstStyle>
           <a:p>
             <a:r>
-              <a:rPr lang="en-US"/>
+              <a:rPr lang="en-GB"/>
               <a:t>Click to edit Master title style</a:t>
             </a:r>
             <a:endParaRPr lang="en-US" dirty="0"/>
@@ -1936,8 +1943,8 @@
         </p:nvSpPr>
         <p:spPr>
           <a:xfrm>
-            <a:off x="3887391" y="987426"/>
-            <a:ext cx="4629150" cy="4873625"/>
+            <a:off x="5183188" y="987425"/>
+            <a:ext cx="6172200" cy="4873625"/>
           </a:xfrm>
         </p:spPr>
         <p:txBody>
@@ -1974,35 +1981,35 @@
           <a:p>
             <a:pPr lvl="0"/>
             <a:r>
-              <a:rPr lang="en-US"/>
+              <a:rPr lang="en-GB"/>
               <a:t>Click to edit Master text styles</a:t>
             </a:r>
           </a:p>
           <a:p>
             <a:pPr lvl="1"/>
             <a:r>
-              <a:rPr lang="en-US"/>
+              <a:rPr lang="en-GB"/>
               <a:t>Second level</a:t>
             </a:r>
           </a:p>
           <a:p>
             <a:pPr lvl="2"/>
             <a:r>
-              <a:rPr lang="en-US"/>
+              <a:rPr lang="en-GB"/>
               <a:t>Third level</a:t>
             </a:r>
           </a:p>
           <a:p>
             <a:pPr lvl="3"/>
             <a:r>
-              <a:rPr lang="en-US"/>
+              <a:rPr lang="en-GB"/>
               <a:t>Fourth level</a:t>
             </a:r>
           </a:p>
           <a:p>
             <a:pPr lvl="4"/>
             <a:r>
-              <a:rPr lang="en-US"/>
+              <a:rPr lang="en-GB"/>
               <a:t>Fifth level</a:t>
             </a:r>
             <a:endParaRPr lang="en-US" dirty="0"/>
@@ -2021,8 +2028,8 @@
         </p:nvSpPr>
         <p:spPr>
           <a:xfrm>
-            <a:off x="629841" y="2057400"/>
-            <a:ext cx="2949178" cy="3811588"/>
+            <a:off x="839788" y="2057400"/>
+            <a:ext cx="3932237" cy="3811588"/>
           </a:xfrm>
         </p:spPr>
         <p:txBody>
@@ -2068,7 +2075,7 @@
           <a:p>
             <a:pPr lvl="0"/>
             <a:r>
-              <a:rPr lang="en-US"/>
+              <a:rPr lang="en-GB"/>
               <a:t>Click to edit Master text styles</a:t>
             </a:r>
           </a:p>
@@ -2091,7 +2098,7 @@
           <a:p>
             <a:fld id="{DEDFC51E-EA5C-6547-A7F8-2EBA820BEB72}" type="datetimeFigureOut">
               <a:rPr lang="en-US" smtClean="0"/>
-              <a:t>9/23/19</a:t>
+              <a:t>10/23/19</a:t>
             </a:fld>
             <a:endParaRPr lang="en-US"/>
           </a:p>
@@ -2142,7 +2149,7 @@
     </p:spTree>
     <p:extLst>
       <p:ext uri="{BB962C8B-B14F-4D97-AF65-F5344CB8AC3E}">
-        <p14:creationId xmlns:p14="http://schemas.microsoft.com/office/powerpoint/2010/main" val="2458928678"/>
+        <p14:creationId xmlns:p14="http://schemas.microsoft.com/office/powerpoint/2010/main" val="1450075062"/>
       </p:ext>
     </p:extLst>
   </p:cSld>
@@ -2181,8 +2188,8 @@
         </p:nvSpPr>
         <p:spPr>
           <a:xfrm>
-            <a:off x="629841" y="457200"/>
-            <a:ext cx="2949178" cy="1600200"/>
+            <a:off x="839788" y="457200"/>
+            <a:ext cx="3932237" cy="1600200"/>
           </a:xfrm>
         </p:spPr>
         <p:txBody>
@@ -2194,7 +2201,7 @@
           </a:lstStyle>
           <a:p>
             <a:r>
-              <a:rPr lang="en-US"/>
+              <a:rPr lang="en-GB"/>
               <a:t>Click to edit Master title style</a:t>
             </a:r>
             <a:endParaRPr lang="en-US" dirty="0"/>
@@ -2213,8 +2220,8 @@
         </p:nvSpPr>
         <p:spPr>
           <a:xfrm>
-            <a:off x="3887391" y="987426"/>
-            <a:ext cx="4629150" cy="4873625"/>
+            <a:off x="5183188" y="987425"/>
+            <a:ext cx="6172200" cy="4873625"/>
           </a:xfrm>
         </p:spPr>
         <p:txBody>
@@ -2259,7 +2266,7 @@
           </a:lstStyle>
           <a:p>
             <a:r>
-              <a:rPr lang="en-US"/>
+              <a:rPr lang="en-GB"/>
               <a:t>Click icon to add picture</a:t>
             </a:r>
             <a:endParaRPr lang="en-US" dirty="0"/>
@@ -2278,8 +2285,8 @@
         </p:nvSpPr>
         <p:spPr>
           <a:xfrm>
-            <a:off x="629841" y="2057400"/>
-            <a:ext cx="2949178" cy="3811588"/>
+            <a:off x="839788" y="2057400"/>
+            <a:ext cx="3932237" cy="3811588"/>
           </a:xfrm>
         </p:spPr>
         <p:txBody>
@@ -2325,7 +2332,7 @@
           <a:p>
             <a:pPr lvl="0"/>
             <a:r>
-              <a:rPr lang="en-US"/>
+              <a:rPr lang="en-GB"/>
               <a:t>Click to edit Master text styles</a:t>
             </a:r>
           </a:p>
@@ -2348,7 +2355,7 @@
           <a:p>
             <a:fld id="{DEDFC51E-EA5C-6547-A7F8-2EBA820BEB72}" type="datetimeFigureOut">
               <a:rPr lang="en-US" smtClean="0"/>
-              <a:t>9/23/19</a:t>
+              <a:t>10/23/19</a:t>
             </a:fld>
             <a:endParaRPr lang="en-US"/>
           </a:p>
@@ -2399,7 +2406,7 @@
     </p:spTree>
     <p:extLst>
       <p:ext uri="{BB962C8B-B14F-4D97-AF65-F5344CB8AC3E}">
-        <p14:creationId xmlns:p14="http://schemas.microsoft.com/office/powerpoint/2010/main" val="2636079201"/>
+        <p14:creationId xmlns:p14="http://schemas.microsoft.com/office/powerpoint/2010/main" val="1964014460"/>
       </p:ext>
     </p:extLst>
   </p:cSld>
@@ -2443,8 +2450,8 @@
         </p:nvSpPr>
         <p:spPr>
           <a:xfrm>
-            <a:off x="628650" y="365126"/>
-            <a:ext cx="7886700" cy="1325563"/>
+            <a:off x="838200" y="365125"/>
+            <a:ext cx="10515600" cy="1325563"/>
           </a:xfrm>
           <a:prstGeom prst="rect">
             <a:avLst/>
@@ -2457,7 +2464,7 @@
           <a:lstStyle/>
           <a:p>
             <a:r>
-              <a:rPr lang="en-US"/>
+              <a:rPr lang="en-GB"/>
               <a:t>Click to edit Master title style</a:t>
             </a:r>
             <a:endParaRPr lang="en-US" dirty="0"/>
@@ -2476,8 +2483,8 @@
         </p:nvSpPr>
         <p:spPr>
           <a:xfrm>
-            <a:off x="628650" y="1825625"/>
-            <a:ext cx="7886700" cy="4351338"/>
+            <a:off x="838200" y="1825625"/>
+            <a:ext cx="10515600" cy="4351338"/>
           </a:xfrm>
           <a:prstGeom prst="rect">
             <a:avLst/>
@@ -2491,35 +2498,35 @@
           <a:p>
             <a:pPr lvl="0"/>
             <a:r>
-              <a:rPr lang="en-US"/>
+              <a:rPr lang="en-GB"/>
               <a:t>Click to edit Master text styles</a:t>
             </a:r>
           </a:p>
           <a:p>
             <a:pPr lvl="1"/>
             <a:r>
-              <a:rPr lang="en-US"/>
+              <a:rPr lang="en-GB"/>
               <a:t>Second level</a:t>
             </a:r>
           </a:p>
           <a:p>
             <a:pPr lvl="2"/>
             <a:r>
-              <a:rPr lang="en-US"/>
+              <a:rPr lang="en-GB"/>
               <a:t>Third level</a:t>
             </a:r>
           </a:p>
           <a:p>
             <a:pPr lvl="3"/>
             <a:r>
-              <a:rPr lang="en-US"/>
+              <a:rPr lang="en-GB"/>
               <a:t>Fourth level</a:t>
             </a:r>
           </a:p>
           <a:p>
             <a:pPr lvl="4"/>
             <a:r>
-              <a:rPr lang="en-US"/>
+              <a:rPr lang="en-GB"/>
               <a:t>Fifth level</a:t>
             </a:r>
             <a:endParaRPr lang="en-US" dirty="0"/>
@@ -2538,8 +2545,8 @@
         </p:nvSpPr>
         <p:spPr>
           <a:xfrm>
-            <a:off x="628650" y="6356351"/>
-            <a:ext cx="2057400" cy="365125"/>
+            <a:off x="838200" y="6356350"/>
+            <a:ext cx="2743200" cy="365125"/>
           </a:xfrm>
           <a:prstGeom prst="rect">
             <a:avLst/>
@@ -2561,7 +2568,7 @@
           <a:p>
             <a:fld id="{DEDFC51E-EA5C-6547-A7F8-2EBA820BEB72}" type="datetimeFigureOut">
               <a:rPr lang="en-US" smtClean="0"/>
-              <a:t>9/23/19</a:t>
+              <a:t>10/23/19</a:t>
             </a:fld>
             <a:endParaRPr lang="en-US"/>
           </a:p>
@@ -2579,8 +2586,8 @@
         </p:nvSpPr>
         <p:spPr>
           <a:xfrm>
-            <a:off x="3028950" y="6356351"/>
-            <a:ext cx="3086100" cy="365125"/>
+            <a:off x="4038600" y="6356350"/>
+            <a:ext cx="4114800" cy="365125"/>
           </a:xfrm>
           <a:prstGeom prst="rect">
             <a:avLst/>
@@ -2616,8 +2623,8 @@
         </p:nvSpPr>
         <p:spPr>
           <a:xfrm>
-            <a:off x="6457950" y="6356351"/>
-            <a:ext cx="2057400" cy="365125"/>
+            <a:off x="8610600" y="6356350"/>
+            <a:ext cx="2743200" cy="365125"/>
           </a:xfrm>
           <a:prstGeom prst="rect">
             <a:avLst/>
@@ -2648,23 +2655,23 @@
     </p:spTree>
     <p:extLst>
       <p:ext uri="{BB962C8B-B14F-4D97-AF65-F5344CB8AC3E}">
-        <p14:creationId xmlns:p14="http://schemas.microsoft.com/office/powerpoint/2010/main" val="1922112972"/>
+        <p14:creationId xmlns:p14="http://schemas.microsoft.com/office/powerpoint/2010/main" val="2076662904"/>
       </p:ext>
     </p:extLst>
   </p:cSld>
   <p:clrMap bg1="lt1" tx1="dk1" bg2="lt2" tx2="dk2" accent1="accent1" accent2="accent2" accent3="accent3" accent4="accent4" accent5="accent5" accent6="accent6" hlink="hlink" folHlink="folHlink"/>
   <p:sldLayoutIdLst>
-    <p:sldLayoutId id="2147483673" r:id="rId1"/>
-    <p:sldLayoutId id="2147483674" r:id="rId2"/>
-    <p:sldLayoutId id="2147483675" r:id="rId3"/>
-    <p:sldLayoutId id="2147483676" r:id="rId4"/>
-    <p:sldLayoutId id="2147483677" r:id="rId5"/>
-    <p:sldLayoutId id="2147483678" r:id="rId6"/>
-    <p:sldLayoutId id="2147483679" r:id="rId7"/>
-    <p:sldLayoutId id="2147483680" r:id="rId8"/>
-    <p:sldLayoutId id="2147483681" r:id="rId9"/>
-    <p:sldLayoutId id="2147483682" r:id="rId10"/>
-    <p:sldLayoutId id="2147483683" r:id="rId11"/>
+    <p:sldLayoutId id="2147483685" r:id="rId1"/>
+    <p:sldLayoutId id="2147483686" r:id="rId2"/>
+    <p:sldLayoutId id="2147483687" r:id="rId3"/>
+    <p:sldLayoutId id="2147483688" r:id="rId4"/>
+    <p:sldLayoutId id="2147483689" r:id="rId5"/>
+    <p:sldLayoutId id="2147483690" r:id="rId6"/>
+    <p:sldLayoutId id="2147483691" r:id="rId7"/>
+    <p:sldLayoutId id="2147483692" r:id="rId8"/>
+    <p:sldLayoutId id="2147483693" r:id="rId9"/>
+    <p:sldLayoutId id="2147483694" r:id="rId10"/>
+    <p:sldLayoutId id="2147483695" r:id="rId11"/>
   </p:sldLayoutIdLst>
   <p:txStyles>
     <p:titleStyle>
@@ -2952,6 +2959,14 @@
 <file path=ppt/slides/slide1.xml><?xml version="1.0" encoding="utf-8"?>
 <p:sld xmlns:a="http://schemas.openxmlformats.org/drawingml/2006/main" xmlns:r="http://schemas.openxmlformats.org/officeDocument/2006/relationships" xmlns:p="http://schemas.openxmlformats.org/presentationml/2006/main">
   <p:cSld>
+    <p:bg>
+      <p:bgPr>
+        <a:solidFill>
+          <a:schemeClr val="bg1"/>
+        </a:solidFill>
+        <a:effectLst/>
+      </p:bgPr>
+    </p:bg>
     <p:spTree>
       <p:nvGrpSpPr>
         <p:cNvPr id="1" name=""/>
@@ -2968,10 +2983,10 @@
       </p:grpSpPr>
       <p:pic>
         <p:nvPicPr>
-          <p:cNvPr id="9" name="Picture 8">
+          <p:cNvPr id="3" name="Picture 2">
             <a:extLst>
               <a:ext uri="{FF2B5EF4-FFF2-40B4-BE49-F238E27FC236}">
-                <a16:creationId xmlns:a16="http://schemas.microsoft.com/office/drawing/2014/main" id="{8EB87C47-2D25-BC4D-AABF-86CC72A01F18}"/>
+                <a16:creationId xmlns:a16="http://schemas.microsoft.com/office/drawing/2014/main" id="{92DCCCAB-43CB-5E42-8E85-6C8CC4D7C878}"/>
               </a:ext>
             </a:extLst>
           </p:cNvPr>
@@ -2988,8 +3003,8 @@
         </p:blipFill>
         <p:spPr>
           <a:xfrm>
-            <a:off x="5929557" y="0"/>
-            <a:ext cx="3214443" cy="1524000"/>
+            <a:off x="643467" y="1323774"/>
+            <a:ext cx="10905066" cy="4210450"/>
           </a:xfrm>
           <a:prstGeom prst="rect">
             <a:avLst/>
